--- a/ED-Tema-5/5.2 REPORTE DE PRACTICA_CYNTHIA JASMINE MORALES TORRES.pptx
+++ b/ED-Tema-5/5.2 REPORTE DE PRACTICA_CYNTHIA JASMINE MORALES TORRES.pptx
@@ -8,10 +8,10 @@
     <p:sldId id="256" r:id="rId2"/>
     <p:sldId id="257" r:id="rId3"/>
     <p:sldId id="258" r:id="rId4"/>
-    <p:sldId id="261" r:id="rId5"/>
-    <p:sldId id="262" r:id="rId6"/>
-    <p:sldId id="263" r:id="rId7"/>
-    <p:sldId id="259" r:id="rId8"/>
+    <p:sldId id="262" r:id="rId5"/>
+    <p:sldId id="263" r:id="rId6"/>
+    <p:sldId id="264" r:id="rId7"/>
+    <p:sldId id="261" r:id="rId8"/>
     <p:sldId id="260" r:id="rId9"/>
   </p:sldIdLst>
   <p:sldSz cx="12192000" cy="6858000"/>
@@ -111,6 +111,11 @@
       </a:defRPr>
     </a:lvl9pPr>
   </p:defaultTextStyle>
+  <p:extLst>
+    <p:ext uri="{EFAFB233-063F-42B5-8137-9DF3F51BA10A}">
+      <p15:sldGuideLst xmlns:p15="http://schemas.microsoft.com/office/powerpoint/2012/main"/>
+    </p:ext>
+  </p:extLst>
 </p:presentation>
 </file>
 
@@ -285,7 +290,7 @@
           <a:p>
             <a:fld id="{B0255716-E614-4F00-BBFB-E5811B19B667}" type="datetimeFigureOut">
               <a:rPr lang="es-MX" smtClean="0"/>
-              <a:t>13/12/2025</a:t>
+              <a:t>14/12/2025</a:t>
             </a:fld>
             <a:endParaRPr lang="es-MX"/>
           </a:p>
@@ -600,7 +605,7 @@
           <a:p>
             <a:fld id="{B0255716-E614-4F00-BBFB-E5811B19B667}" type="datetimeFigureOut">
               <a:rPr lang="es-MX" smtClean="0"/>
-              <a:t>13/12/2025</a:t>
+              <a:t>14/12/2025</a:t>
             </a:fld>
             <a:endParaRPr lang="es-MX"/>
           </a:p>
@@ -822,7 +827,7 @@
           <a:p>
             <a:fld id="{B0255716-E614-4F00-BBFB-E5811B19B667}" type="datetimeFigureOut">
               <a:rPr lang="es-MX" smtClean="0"/>
-              <a:t>13/12/2025</a:t>
+              <a:t>14/12/2025</a:t>
             </a:fld>
             <a:endParaRPr lang="es-MX"/>
           </a:p>
@@ -1113,7 +1118,7 @@
           <a:p>
             <a:fld id="{B0255716-E614-4F00-BBFB-E5811B19B667}" type="datetimeFigureOut">
               <a:rPr lang="es-MX" smtClean="0"/>
-              <a:t>13/12/2025</a:t>
+              <a:t>14/12/2025</a:t>
             </a:fld>
             <a:endParaRPr lang="es-MX"/>
           </a:p>
@@ -1567,7 +1572,7 @@
           <a:p>
             <a:fld id="{B0255716-E614-4F00-BBFB-E5811B19B667}" type="datetimeFigureOut">
               <a:rPr lang="es-MX" smtClean="0"/>
-              <a:t>13/12/2025</a:t>
+              <a:t>14/12/2025</a:t>
             </a:fld>
             <a:endParaRPr lang="es-MX"/>
           </a:p>
@@ -2143,7 +2148,7 @@
           <a:p>
             <a:fld id="{B0255716-E614-4F00-BBFB-E5811B19B667}" type="datetimeFigureOut">
               <a:rPr lang="es-MX" smtClean="0"/>
-              <a:t>13/12/2025</a:t>
+              <a:t>14/12/2025</a:t>
             </a:fld>
             <a:endParaRPr lang="es-MX"/>
           </a:p>
@@ -3004,7 +3009,7 @@
           <a:p>
             <a:fld id="{B0255716-E614-4F00-BBFB-E5811B19B667}" type="datetimeFigureOut">
               <a:rPr lang="es-MX" smtClean="0"/>
-              <a:t>13/12/2025</a:t>
+              <a:t>14/12/2025</a:t>
             </a:fld>
             <a:endParaRPr lang="es-MX"/>
           </a:p>
@@ -3209,7 +3214,7 @@
           <a:p>
             <a:fld id="{B0255716-E614-4F00-BBFB-E5811B19B667}" type="datetimeFigureOut">
               <a:rPr lang="es-MX" smtClean="0"/>
-              <a:t>13/12/2025</a:t>
+              <a:t>14/12/2025</a:t>
             </a:fld>
             <a:endParaRPr lang="es-MX"/>
           </a:p>
@@ -3423,7 +3428,7 @@
           <a:p>
             <a:fld id="{B0255716-E614-4F00-BBFB-E5811B19B667}" type="datetimeFigureOut">
               <a:rPr lang="es-MX" smtClean="0"/>
-              <a:t>13/12/2025</a:t>
+              <a:t>14/12/2025</a:t>
             </a:fld>
             <a:endParaRPr lang="es-MX"/>
           </a:p>
@@ -3603,7 +3608,7 @@
           <a:p>
             <a:fld id="{B0255716-E614-4F00-BBFB-E5811B19B667}" type="datetimeFigureOut">
               <a:rPr lang="es-MX" smtClean="0"/>
-              <a:t>13/12/2025</a:t>
+              <a:t>14/12/2025</a:t>
             </a:fld>
             <a:endParaRPr lang="es-MX"/>
           </a:p>
@@ -3808,7 +3813,7 @@
           <a:p>
             <a:fld id="{B0255716-E614-4F00-BBFB-E5811B19B667}" type="datetimeFigureOut">
               <a:rPr lang="es-MX" smtClean="0"/>
-              <a:t>13/12/2025</a:t>
+              <a:t>14/12/2025</a:t>
             </a:fld>
             <a:endParaRPr lang="es-MX"/>
           </a:p>
@@ -4088,7 +4093,7 @@
           <a:p>
             <a:fld id="{B0255716-E614-4F00-BBFB-E5811B19B667}" type="datetimeFigureOut">
               <a:rPr lang="es-MX" smtClean="0"/>
-              <a:t>13/12/2025</a:t>
+              <a:t>14/12/2025</a:t>
             </a:fld>
             <a:endParaRPr lang="es-MX"/>
           </a:p>
@@ -4355,7 +4360,7 @@
           <a:p>
             <a:fld id="{B0255716-E614-4F00-BBFB-E5811B19B667}" type="datetimeFigureOut">
               <a:rPr lang="es-MX" smtClean="0"/>
-              <a:t>13/12/2025</a:t>
+              <a:t>14/12/2025</a:t>
             </a:fld>
             <a:endParaRPr lang="es-MX"/>
           </a:p>
@@ -4770,7 +4775,7 @@
           <a:p>
             <a:fld id="{B0255716-E614-4F00-BBFB-E5811B19B667}" type="datetimeFigureOut">
               <a:rPr lang="es-MX" smtClean="0"/>
-              <a:t>13/12/2025</a:t>
+              <a:t>14/12/2025</a:t>
             </a:fld>
             <a:endParaRPr lang="es-MX"/>
           </a:p>
@@ -4918,7 +4923,7 @@
           <a:p>
             <a:fld id="{B0255716-E614-4F00-BBFB-E5811B19B667}" type="datetimeFigureOut">
               <a:rPr lang="es-MX" smtClean="0"/>
-              <a:t>13/12/2025</a:t>
+              <a:t>14/12/2025</a:t>
             </a:fld>
             <a:endParaRPr lang="es-MX"/>
           </a:p>
@@ -5043,7 +5048,7 @@
           <a:p>
             <a:fld id="{B0255716-E614-4F00-BBFB-E5811B19B667}" type="datetimeFigureOut">
               <a:rPr lang="es-MX" smtClean="0"/>
-              <a:t>13/12/2025</a:t>
+              <a:t>14/12/2025</a:t>
             </a:fld>
             <a:endParaRPr lang="es-MX"/>
           </a:p>
@@ -5322,7 +5327,7 @@
           <a:p>
             <a:fld id="{B0255716-E614-4F00-BBFB-E5811B19B667}" type="datetimeFigureOut">
               <a:rPr lang="es-MX" smtClean="0"/>
-              <a:t>13/12/2025</a:t>
+              <a:t>14/12/2025</a:t>
             </a:fld>
             <a:endParaRPr lang="es-MX"/>
           </a:p>
@@ -5637,7 +5642,7 @@
           <a:p>
             <a:fld id="{B0255716-E614-4F00-BBFB-E5811B19B667}" type="datetimeFigureOut">
               <a:rPr lang="es-MX" smtClean="0"/>
-              <a:t>13/12/2025</a:t>
+              <a:t>14/12/2025</a:t>
             </a:fld>
             <a:endParaRPr lang="es-MX"/>
           </a:p>
@@ -5890,7 +5895,7 @@
           <a:p>
             <a:fld id="{B0255716-E614-4F00-BBFB-E5811B19B667}" type="datetimeFigureOut">
               <a:rPr lang="es-MX" smtClean="0"/>
-              <a:t>13/12/2025</a:t>
+              <a:t>14/12/2025</a:t>
             </a:fld>
             <a:endParaRPr lang="es-MX"/>
           </a:p>
@@ -7146,7 +7151,7 @@
                 <a:cs typeface="Glacial Indifference"/>
                 <a:sym typeface="Glacial Indifference"/>
               </a:rPr>
-              <a:t>, Chiapas. A 13 de </a:t>
+              <a:t>, Chiapas. A 05 de </a:t>
             </a:r>
             <a:r>
               <a:rPr lang="en-US" sz="1200" b="1" dirty="0" err="1">
@@ -7425,15 +7430,7 @@
             </a:pPr>
             <a:r>
               <a:rPr lang="es-MX" dirty="0"/>
-              <a:t>El presente proyecto tiene como objetivo desarrollar una aplicación en </a:t>
-            </a:r>
-            <a:r>
-              <a:rPr lang="es-MX" b="1" dirty="0" err="1"/>
-              <a:t>JavaFX</a:t>
-            </a:r>
-            <a:r>
-              <a:rPr lang="es-MX" dirty="0"/>
-              <a:t> que permita realizar diferentes métodos de </a:t>
+              <a:t>el </a:t>
             </a:r>
             <a:r>
               <a:rPr lang="es-MX" b="1" dirty="0"/>
@@ -7441,23 +7438,15 @@
             </a:r>
             <a:r>
               <a:rPr lang="es-MX" dirty="0"/>
-              <a:t>, tanto de manera </a:t>
+              <a:t> es fundamental para optimizar búsquedas, análisis y almacenamiento eficiente. Este proyecto tiene como objetivo </a:t>
             </a:r>
             <a:r>
               <a:rPr lang="es-MX" b="1" dirty="0"/>
-              <a:t>interna</a:t>
+              <a:t>implementar y visualizar distintos métodos de ordenamiento</a:t>
             </a:r>
             <a:r>
               <a:rPr lang="es-MX" dirty="0"/>
-              <a:t> (en memoria) como </a:t>
-            </a:r>
-            <a:r>
-              <a:rPr lang="es-MX" b="1" dirty="0"/>
-              <a:t>externa</a:t>
-            </a:r>
-            <a:r>
-              <a:rPr lang="es-MX" dirty="0"/>
-              <a:t> (desde archivos). La aplicación incluye un entorno gráfico interactivo, que facilita la visualización de los resultados de los procesos de ordenamiento, ofreciendo al usuario una experiencia más intuitiva que la tradicional ejecución por consola. El enfoque en la interfaz gráfica también permite comprender mejor el comportamiento de los algoritmos y cómo se aplican a distintos tipos de datos.</a:t>
+              <a:t>, tanto internos como externos, mediante una interfaz gráfica interactiva. Con él, se busca que los usuarios comprendan la lógica de cada algoritmo y su funcionamiento práctico.</a:t>
             </a:r>
           </a:p>
         </p:txBody>
@@ -7665,7 +7654,7 @@
           <p:cNvPr id="2" name="Título 1">
             <a:extLst>
               <a:ext uri="{FF2B5EF4-FFF2-40B4-BE49-F238E27FC236}">
-                <a16:creationId xmlns:a16="http://schemas.microsoft.com/office/drawing/2014/main" id="{5689ABB1-5023-7FCB-BA11-1154A4F103B9}"/>
+                <a16:creationId xmlns:a16="http://schemas.microsoft.com/office/drawing/2014/main" id="{64CD7B0A-3671-0DD1-E77F-AD01E24A3C52}"/>
               </a:ext>
             </a:extLst>
           </p:cNvPr>
@@ -7678,19 +7667,17 @@
         </p:nvSpPr>
         <p:spPr>
           <a:xfrm>
-            <a:off x="6096000" y="285063"/>
-            <a:ext cx="3470221" cy="865643"/>
-          </a:xfrm>
-        </p:spPr>
-        <p:txBody>
-          <a:bodyPr>
-            <a:normAutofit fontScale="90000"/>
-          </a:bodyPr>
+            <a:off x="1907286" y="544301"/>
+            <a:ext cx="8911687" cy="1280890"/>
+          </a:xfrm>
+        </p:spPr>
+        <p:txBody>
+          <a:bodyPr/>
           <a:lstStyle/>
           <a:p>
             <a:r>
               <a:rPr lang="es-MX" dirty="0"/>
-              <a:t>1. controlador</a:t>
+              <a:t>Pantalla Inicial</a:t>
             </a:r>
           </a:p>
         </p:txBody>
@@ -7700,7 +7687,7 @@
           <p:cNvPr id="4" name="Rectangle 1">
             <a:extLst>
               <a:ext uri="{FF2B5EF4-FFF2-40B4-BE49-F238E27FC236}">
-                <a16:creationId xmlns:a16="http://schemas.microsoft.com/office/drawing/2014/main" id="{DC06B0C6-6267-BFAA-03C3-D94A41DB2232}"/>
+                <a16:creationId xmlns:a16="http://schemas.microsoft.com/office/drawing/2014/main" id="{CF2CCD8F-7981-6611-D6C2-02C5807E821E}"/>
               </a:ext>
             </a:extLst>
           </p:cNvPr>
@@ -7713,8 +7700,8 @@
         </p:nvSpPr>
         <p:spPr bwMode="auto">
           <a:xfrm>
-            <a:off x="6184505" y="1261783"/>
-            <a:ext cx="4829390" cy="3970318"/>
+            <a:off x="163407" y="5032809"/>
+            <a:ext cx="12028593" cy="1631216"/>
           </a:xfrm>
           <a:prstGeom prst="rect">
             <a:avLst/>
@@ -7762,119 +7749,7 @@
           </a:bodyPr>
           <a:lstStyle/>
           <a:p>
-            <a:pPr marL="0" marR="0" lvl="0" indent="0" algn="just" defTabSz="914400" rtl="0" eaLnBrk="0" fontAlgn="base" latinLnBrk="0" hangingPunct="0">
-              <a:lnSpc>
-                <a:spcPct val="100000"/>
-              </a:lnSpc>
-              <a:spcBef>
-                <a:spcPct val="0"/>
-              </a:spcBef>
-              <a:spcAft>
-                <a:spcPct val="0"/>
-              </a:spcAft>
-              <a:buClrTx/>
-              <a:buSzTx/>
-              <a:buNone/>
-              <a:tabLst/>
-            </a:pPr>
-            <a:r>
-              <a:rPr lang="es-MX" altLang="es-MX" sz="1800" cap="none" dirty="0"/>
-              <a:t>Controlador asociado al FXML.</a:t>
-            </a:r>
-          </a:p>
-          <a:p>
-            <a:pPr marL="0" marR="0" lvl="0" indent="0" algn="just" defTabSz="914400" rtl="0" eaLnBrk="0" fontAlgn="base" latinLnBrk="0" hangingPunct="0">
-              <a:lnSpc>
-                <a:spcPct val="100000"/>
-              </a:lnSpc>
-              <a:spcBef>
-                <a:spcPct val="0"/>
-              </a:spcBef>
-              <a:spcAft>
-                <a:spcPct val="0"/>
-              </a:spcAft>
-              <a:buClrTx/>
-              <a:buSzTx/>
-              <a:buNone/>
-              <a:tabLst/>
-            </a:pPr>
-            <a:endParaRPr lang="es-MX" altLang="es-MX" sz="1800" cap="none" dirty="0"/>
-          </a:p>
-          <a:p>
-            <a:pPr marL="0" marR="0" lvl="0" indent="0" algn="just" defTabSz="914400" rtl="0" eaLnBrk="0" fontAlgn="base" latinLnBrk="0" hangingPunct="0">
-              <a:lnSpc>
-                <a:spcPct val="100000"/>
-              </a:lnSpc>
-              <a:spcBef>
-                <a:spcPct val="0"/>
-              </a:spcBef>
-              <a:spcAft>
-                <a:spcPct val="0"/>
-              </a:spcAft>
-              <a:buClrTx/>
-              <a:buSzTx/>
-              <a:buNone/>
-              <a:tabLst/>
-            </a:pPr>
-            <a:r>
-              <a:rPr lang="es-MX" altLang="es-MX" sz="1800" cap="none" dirty="0"/>
-              <a:t>Contiene los métodos que se ejecutan al presionar los botones:</a:t>
-            </a:r>
-          </a:p>
-          <a:p>
-            <a:pPr algn="just" eaLnBrk="0" fontAlgn="base" hangingPunct="0">
-              <a:lnSpc>
-                <a:spcPct val="100000"/>
-              </a:lnSpc>
-              <a:spcBef>
-                <a:spcPct val="0"/>
-              </a:spcBef>
-              <a:spcAft>
-                <a:spcPct val="0"/>
-              </a:spcAft>
-              <a:buClrTx/>
-            </a:pPr>
-            <a:r>
-              <a:rPr lang="es-MX" altLang="es-MX" sz="1800" cap="none" dirty="0"/>
-              <a:t>Ordenamiento interno: se crea un arreglo en memoria, se muestra el arreglo original en un </a:t>
-            </a:r>
-            <a:r>
-              <a:rPr lang="es-MX" altLang="es-MX" sz="1800" cap="none" dirty="0" err="1"/>
-              <a:t>textarea</a:t>
-            </a:r>
-            <a:r>
-              <a:rPr lang="es-MX" altLang="es-MX" sz="1800" cap="none" dirty="0"/>
-              <a:t>, se aplica el método burbuja y luego se muestra el arreglo ordenado.</a:t>
-            </a:r>
-          </a:p>
-          <a:p>
-            <a:pPr algn="just" eaLnBrk="0" fontAlgn="base" hangingPunct="0">
-              <a:lnSpc>
-                <a:spcPct val="100000"/>
-              </a:lnSpc>
-              <a:spcBef>
-                <a:spcPct val="0"/>
-              </a:spcBef>
-              <a:spcAft>
-                <a:spcPct val="0"/>
-              </a:spcAft>
-              <a:buClrTx/>
-            </a:pPr>
-            <a:r>
-              <a:rPr lang="es-MX" altLang="es-MX" sz="1800" cap="none" dirty="0"/>
-              <a:t>Ordenamiento externo: permite seleccionar un archivo de entrada y guardar el archivo ordenado. Se leen los números del archivo, se ordenan usando </a:t>
-            </a:r>
-            <a:r>
-              <a:rPr lang="es-MX" altLang="es-MX" sz="1800" cap="none" dirty="0" err="1"/>
-              <a:t>collections.Sort</a:t>
-            </a:r>
-            <a:r>
-              <a:rPr lang="es-MX" altLang="es-MX" sz="1800" cap="none" dirty="0"/>
-              <a:t>() y se escribe el resultado en un archivo de salida.</a:t>
-            </a:r>
-          </a:p>
-          <a:p>
-            <a:pPr marL="0" marR="0" lvl="0" indent="0" algn="just" defTabSz="914400" rtl="0" eaLnBrk="0" fontAlgn="base" latinLnBrk="0" hangingPunct="0">
+            <a:pPr marL="0" marR="0" lvl="0" indent="0" algn="l" defTabSz="914400" rtl="0" eaLnBrk="0" fontAlgn="base" latinLnBrk="0" hangingPunct="0">
               <a:lnSpc>
                 <a:spcPct val="100000"/>
               </a:lnSpc>
@@ -7887,19 +7762,66 @@
               <a:buClrTx/>
               <a:buSzTx/>
               <a:buFontTx/>
-              <a:buNone/>
+              <a:buChar char="•"/>
               <a:tabLst/>
             </a:pPr>
-            <a:endParaRPr lang="es-MX" altLang="es-MX" sz="1800" cap="none" dirty="0"/>
+            <a:r>
+              <a:rPr lang="es-MX" altLang="es-MX"/>
+              <a:t>Es la primera vista que se carga al ejecutar el proyecto.</a:t>
+            </a:r>
+          </a:p>
+          <a:p>
+            <a:pPr marL="0" marR="0" lvl="0" indent="0" algn="l" defTabSz="914400" rtl="0" eaLnBrk="0" fontAlgn="base" latinLnBrk="0" hangingPunct="0">
+              <a:lnSpc>
+                <a:spcPct val="100000"/>
+              </a:lnSpc>
+              <a:spcBef>
+                <a:spcPct val="0"/>
+              </a:spcBef>
+              <a:spcAft>
+                <a:spcPct val="0"/>
+              </a:spcAft>
+              <a:buClrTx/>
+              <a:buSzTx/>
+              <a:buFontTx/>
+              <a:buChar char="•"/>
+              <a:tabLst/>
+            </a:pPr>
+            <a:r>
+              <a:rPr lang="es-MX" altLang="es-MX"/>
+              <a:t>Permite navegar hacia los distintos métodos de ordenamiento, divididos en internos y externos.</a:t>
+            </a:r>
+          </a:p>
+          <a:p>
+            <a:pPr marL="0" marR="0" lvl="0" indent="0" algn="l" defTabSz="914400" rtl="0" eaLnBrk="0" fontAlgn="base" latinLnBrk="0" hangingPunct="0">
+              <a:lnSpc>
+                <a:spcPct val="100000"/>
+              </a:lnSpc>
+              <a:spcBef>
+                <a:spcPct val="0"/>
+              </a:spcBef>
+              <a:spcAft>
+                <a:spcPct val="0"/>
+              </a:spcAft>
+              <a:buClrTx/>
+              <a:buSzTx/>
+              <a:buFontTx/>
+              <a:buChar char="•"/>
+              <a:tabLst/>
+            </a:pPr>
+            <a:r>
+              <a:rPr lang="es-MX" altLang="es-MX"/>
+              <a:t>Cada botón abre una ventana específica donde el usuario puede ingresar los datos, ejecutar el algoritmo y ver el resultado.</a:t>
+            </a:r>
           </a:p>
         </p:txBody>
       </p:sp>
       <p:pic>
         <p:nvPicPr>
-          <p:cNvPr id="6" name="Imagen 5">
+          <p:cNvPr id="5" name="Marcador de contenido 4">
             <a:extLst>
               <a:ext uri="{FF2B5EF4-FFF2-40B4-BE49-F238E27FC236}">
-                <a16:creationId xmlns:a16="http://schemas.microsoft.com/office/drawing/2014/main" id="{E51545FA-099C-F7A7-2920-8456FE46EE2E}"/>
+                <a16:creationId xmlns:a16="http://schemas.microsoft.com/office/drawing/2014/main" id="{12361A9D-906A-83FE-6CE2-53A85A3FE81D}"/>
               </a:ext>
             </a:extLst>
           </p:cNvPr>
@@ -7916,8 +7838,8 @@
         </p:blipFill>
         <p:spPr>
           <a:xfrm>
-            <a:off x="0" y="80887"/>
-            <a:ext cx="4829390" cy="3493841"/>
+            <a:off x="7202705" y="1797784"/>
+            <a:ext cx="3171281" cy="3048001"/>
           </a:xfrm>
           <a:prstGeom prst="rect">
             <a:avLst/>
@@ -7926,10 +7848,10 @@
       </p:pic>
       <p:pic>
         <p:nvPicPr>
-          <p:cNvPr id="8" name="Imagen 7">
+          <p:cNvPr id="6" name="Imagen 5">
             <a:extLst>
               <a:ext uri="{FF2B5EF4-FFF2-40B4-BE49-F238E27FC236}">
-                <a16:creationId xmlns:a16="http://schemas.microsoft.com/office/drawing/2014/main" id="{161CEBB0-35E4-242A-F9B1-E743A34E7485}"/>
+                <a16:creationId xmlns:a16="http://schemas.microsoft.com/office/drawing/2014/main" id="{D37D0A07-87F8-5391-F5B4-C73B9A61E3A1}"/>
               </a:ext>
             </a:extLst>
           </p:cNvPr>
@@ -7946,8 +7868,8 @@
         </p:blipFill>
         <p:spPr>
           <a:xfrm>
-            <a:off x="0" y="3574728"/>
-            <a:ext cx="5219272" cy="3314746"/>
+            <a:off x="842481" y="1715769"/>
+            <a:ext cx="4986391" cy="3107461"/>
           </a:xfrm>
           <a:prstGeom prst="rect">
             <a:avLst/>
@@ -7957,7 +7879,7 @@
     </p:spTree>
     <p:extLst>
       <p:ext uri="{BB962C8B-B14F-4D97-AF65-F5344CB8AC3E}">
-        <p14:creationId xmlns:p14="http://schemas.microsoft.com/office/powerpoint/2010/main" val="2352804907"/>
+        <p14:creationId xmlns:p14="http://schemas.microsoft.com/office/powerpoint/2010/main" val="3089508793"/>
       </p:ext>
     </p:extLst>
   </p:cSld>
@@ -7989,7 +7911,7 @@
           <p:cNvPr id="2" name="Título 1">
             <a:extLst>
               <a:ext uri="{FF2B5EF4-FFF2-40B4-BE49-F238E27FC236}">
-                <a16:creationId xmlns:a16="http://schemas.microsoft.com/office/drawing/2014/main" id="{977C4EC9-3F4A-9556-763B-DD05B266C26D}"/>
+                <a16:creationId xmlns:a16="http://schemas.microsoft.com/office/drawing/2014/main" id="{2007F690-DAC0-4AB3-E131-809E107B92CB}"/>
               </a:ext>
             </a:extLst>
           </p:cNvPr>
@@ -8002,7 +7924,7 @@
         </p:nvSpPr>
         <p:spPr>
           <a:xfrm>
-            <a:off x="2130588" y="0"/>
+            <a:off x="2038120" y="118153"/>
             <a:ext cx="8911687" cy="1280890"/>
           </a:xfrm>
         </p:spPr>
@@ -8012,26 +7934,123 @@
           <a:p>
             <a:r>
               <a:rPr lang="es-MX" dirty="0"/>
-              <a:t>Clase interna y externa</a:t>
-            </a:r>
+              <a:t>Métodos internos</a:t>
+            </a:r>
+          </a:p>
+        </p:txBody>
+      </p:sp>
+      <p:sp>
+        <p:nvSpPr>
+          <p:cNvPr id="3" name="Marcador de contenido 2">
+            <a:extLst>
+              <a:ext uri="{FF2B5EF4-FFF2-40B4-BE49-F238E27FC236}">
+                <a16:creationId xmlns:a16="http://schemas.microsoft.com/office/drawing/2014/main" id="{E8437A0F-52E9-9A68-2D69-162638F5A353}"/>
+              </a:ext>
+            </a:extLst>
+          </p:cNvPr>
+          <p:cNvSpPr>
+            <a:spLocks noGrp="1"/>
+          </p:cNvSpPr>
+          <p:nvPr>
+            <p:ph idx="1"/>
+          </p:nvPr>
+        </p:nvSpPr>
+        <p:spPr>
+          <a:xfrm>
+            <a:off x="302905" y="4024044"/>
+            <a:ext cx="3008308" cy="2715803"/>
+          </a:xfrm>
+        </p:spPr>
+        <p:txBody>
+          <a:bodyPr>
+            <a:normAutofit/>
+          </a:bodyPr>
+          <a:lstStyle/>
+          <a:p>
+            <a:pPr marL="0" indent="0">
+              <a:buNone/>
+            </a:pPr>
+            <a:r>
+              <a:rPr lang="es-MX" sz="1400" b="1" cap="none" dirty="0"/>
+              <a:t>Burbuja (</a:t>
+            </a:r>
+            <a:r>
+              <a:rPr lang="es-MX" sz="1400" b="1" cap="none" dirty="0" err="1"/>
+              <a:t>bubble</a:t>
+            </a:r>
+            <a:r>
+              <a:rPr lang="es-MX" sz="1400" b="1" cap="none" dirty="0"/>
+              <a:t> </a:t>
+            </a:r>
+            <a:r>
+              <a:rPr lang="es-MX" sz="1400" b="1" cap="none" dirty="0" err="1"/>
+              <a:t>sort</a:t>
+            </a:r>
+            <a:r>
+              <a:rPr lang="es-MX" sz="1400" b="1" cap="none" dirty="0"/>
+              <a:t>)</a:t>
+            </a:r>
+            <a:endParaRPr lang="es-MX" sz="1400" cap="none" dirty="0"/>
+          </a:p>
+          <a:p>
+            <a:pPr>
+              <a:buFont typeface="Arial" panose="020B0604020202020204" pitchFamily="34" charset="0"/>
+              <a:buChar char="•"/>
+            </a:pPr>
+            <a:r>
+              <a:rPr lang="es-MX" sz="1400" cap="none" dirty="0"/>
+              <a:t>Compara pares de elementos adyacentes y los intercambia si están en el orden incorrecto.</a:t>
+            </a:r>
+          </a:p>
+          <a:p>
+            <a:pPr>
+              <a:buFont typeface="Arial" panose="020B0604020202020204" pitchFamily="34" charset="0"/>
+              <a:buChar char="•"/>
+            </a:pPr>
+            <a:r>
+              <a:rPr lang="es-MX" sz="1400" cap="none" dirty="0"/>
+              <a:t>Se repite hasta que el array está completamente ordenado.</a:t>
+            </a:r>
+          </a:p>
+          <a:p>
+            <a:pPr>
+              <a:buFont typeface="Arial" panose="020B0604020202020204" pitchFamily="34" charset="0"/>
+              <a:buChar char="•"/>
+            </a:pPr>
+            <a:r>
+              <a:rPr lang="es-MX" sz="1400" cap="none" dirty="0"/>
+              <a:t>Fácil de entender, pero ineficiente para </a:t>
+            </a:r>
+            <a:r>
+              <a:rPr lang="es-MX" sz="1400" cap="none" dirty="0" err="1"/>
+              <a:t>arrays</a:t>
+            </a:r>
+            <a:r>
+              <a:rPr lang="es-MX" sz="1400" cap="none" dirty="0"/>
+              <a:t> grandes.</a:t>
+            </a:r>
+          </a:p>
+          <a:p>
+            <a:pPr marL="0" indent="0">
+              <a:buNone/>
+            </a:pPr>
+            <a:endParaRPr lang="es-MX" sz="1400" cap="none" dirty="0"/>
           </a:p>
         </p:txBody>
       </p:sp>
       <p:pic>
         <p:nvPicPr>
-          <p:cNvPr id="5" name="Marcador de contenido 4">
+          <p:cNvPr id="5" name="Imagen 4">
             <a:extLst>
               <a:ext uri="{FF2B5EF4-FFF2-40B4-BE49-F238E27FC236}">
-                <a16:creationId xmlns:a16="http://schemas.microsoft.com/office/drawing/2014/main" id="{1210AD84-C13B-A4E8-0B1D-E82E250E84BE}"/>
+                <a16:creationId xmlns:a16="http://schemas.microsoft.com/office/drawing/2014/main" id="{41D8CCF6-F355-7744-8950-4F2FB0992AC0}"/>
               </a:ext>
             </a:extLst>
           </p:cNvPr>
           <p:cNvPicPr>
-            <a:picLocks noGrp="1" noChangeAspect="1"/>
+            <a:picLocks noChangeAspect="1"/>
           </p:cNvPicPr>
-          <p:nvPr>
-            <p:ph idx="1"/>
-          </p:nvPr>
+          <p:nvPr/>
         </p:nvPicPr>
         <p:blipFill>
           <a:blip r:embed="rId2"/>
@@ -8041,17 +8060,100 @@
         </p:blipFill>
         <p:spPr>
           <a:xfrm>
-            <a:off x="241251" y="771396"/>
-            <a:ext cx="3621832" cy="2731348"/>
-          </a:xfrm>
+            <a:off x="302905" y="1137863"/>
+            <a:ext cx="2929533" cy="2757582"/>
+          </a:xfrm>
+          <a:prstGeom prst="rect">
+            <a:avLst/>
+          </a:prstGeom>
         </p:spPr>
       </p:pic>
+      <p:sp>
+        <p:nvSpPr>
+          <p:cNvPr id="7" name="CuadroTexto 6">
+            <a:extLst>
+              <a:ext uri="{FF2B5EF4-FFF2-40B4-BE49-F238E27FC236}">
+                <a16:creationId xmlns:a16="http://schemas.microsoft.com/office/drawing/2014/main" id="{19D82EC9-338B-640D-F18E-C6FBD6419005}"/>
+              </a:ext>
+            </a:extLst>
+          </p:cNvPr>
+          <p:cNvSpPr txBox="1"/>
+          <p:nvPr/>
+        </p:nvSpPr>
+        <p:spPr>
+          <a:xfrm>
+            <a:off x="3485655" y="4024044"/>
+            <a:ext cx="2130753" cy="2708434"/>
+          </a:xfrm>
+          <a:prstGeom prst="rect">
+            <a:avLst/>
+          </a:prstGeom>
+          <a:noFill/>
+        </p:spPr>
+        <p:txBody>
+          <a:bodyPr wrap="square">
+            <a:spAutoFit/>
+          </a:bodyPr>
+          <a:lstStyle/>
+          <a:p>
+            <a:r>
+              <a:rPr lang="es-MX" sz="1600" b="1" dirty="0"/>
+              <a:t>Quicksort</a:t>
+            </a:r>
+            <a:endParaRPr lang="es-MX" sz="1600" dirty="0"/>
+          </a:p>
+          <a:p>
+            <a:pPr>
+              <a:buFont typeface="Arial" panose="020B0604020202020204" pitchFamily="34" charset="0"/>
+              <a:buChar char="•"/>
+            </a:pPr>
+            <a:r>
+              <a:rPr lang="es-MX" sz="1400" dirty="0"/>
+              <a:t>Selecciona un pivote y divide el array en dos </a:t>
+            </a:r>
+            <a:r>
+              <a:rPr lang="es-MX" sz="1400" dirty="0" err="1"/>
+              <a:t>subarrays</a:t>
+            </a:r>
+            <a:r>
+              <a:rPr lang="es-MX" sz="1400" dirty="0"/>
+              <a:t>: menores y mayores que el pivote.</a:t>
+            </a:r>
+          </a:p>
+          <a:p>
+            <a:endParaRPr lang="es-MX" sz="1400" dirty="0"/>
+          </a:p>
+          <a:p>
+            <a:pPr>
+              <a:buFont typeface="Arial" panose="020B0604020202020204" pitchFamily="34" charset="0"/>
+              <a:buChar char="•"/>
+            </a:pPr>
+            <a:r>
+              <a:rPr lang="es-MX" sz="1400" dirty="0"/>
+              <a:t>Aplica recursivamente el mismo procedimiento.</a:t>
+            </a:r>
+          </a:p>
+          <a:p>
+            <a:endParaRPr lang="es-MX" sz="1400" dirty="0"/>
+          </a:p>
+          <a:p>
+            <a:pPr>
+              <a:buFont typeface="Arial" panose="020B0604020202020204" pitchFamily="34" charset="0"/>
+              <a:buChar char="•"/>
+            </a:pPr>
+            <a:r>
+              <a:rPr lang="es-MX" sz="1400" dirty="0"/>
+              <a:t>Muy eficiente para grandes volúmenes de datos.</a:t>
+            </a:r>
+          </a:p>
+        </p:txBody>
+      </p:sp>
       <p:pic>
         <p:nvPicPr>
-          <p:cNvPr id="7" name="Imagen 6">
+          <p:cNvPr id="9" name="Imagen 8">
             <a:extLst>
               <a:ext uri="{FF2B5EF4-FFF2-40B4-BE49-F238E27FC236}">
-                <a16:creationId xmlns:a16="http://schemas.microsoft.com/office/drawing/2014/main" id="{DE351D3A-61E8-D5A0-B29A-EB8265DE0B09}"/>
+                <a16:creationId xmlns:a16="http://schemas.microsoft.com/office/drawing/2014/main" id="{4ABC05BF-66A6-4C96-2EA0-CABF5953CDDB}"/>
               </a:ext>
             </a:extLst>
           </p:cNvPr>
@@ -8068,8 +8170,8 @@
         </p:blipFill>
         <p:spPr>
           <a:xfrm>
-            <a:off x="241251" y="3596016"/>
-            <a:ext cx="3272511" cy="3127400"/>
+            <a:off x="3485655" y="1173680"/>
+            <a:ext cx="2130753" cy="2721765"/>
           </a:xfrm>
           <a:prstGeom prst="rect">
             <a:avLst/>
@@ -8078,10 +8180,10 @@
       </p:pic>
       <p:sp>
         <p:nvSpPr>
-          <p:cNvPr id="8" name="Rectangle 1">
+          <p:cNvPr id="10" name="Rectangle 1">
             <a:extLst>
               <a:ext uri="{FF2B5EF4-FFF2-40B4-BE49-F238E27FC236}">
-                <a16:creationId xmlns:a16="http://schemas.microsoft.com/office/drawing/2014/main" id="{3446D77B-3D4C-F037-AF96-2A04481313F2}"/>
+                <a16:creationId xmlns:a16="http://schemas.microsoft.com/office/drawing/2014/main" id="{5AE5EDC8-C926-D1E2-DAAD-47A4E39E8019}"/>
               </a:ext>
             </a:extLst>
           </p:cNvPr>
@@ -8092,8 +8194,8 @@
         </p:nvSpPr>
         <p:spPr bwMode="auto">
           <a:xfrm>
-            <a:off x="4571999" y="4315812"/>
-            <a:ext cx="5311740" cy="2031325"/>
+            <a:off x="5924415" y="4024044"/>
+            <a:ext cx="2716151" cy="2523768"/>
           </a:xfrm>
           <a:prstGeom prst="rect">
             <a:avLst/>
@@ -8158,9 +8260,10 @@
               <a:tabLst/>
             </a:pPr>
             <a:r>
-              <a:rPr lang="es-MX" altLang="es-MX" dirty="0"/>
-              <a:t>Ordenamiento Interno</a:t>
-            </a:r>
+              <a:rPr lang="es-MX" altLang="es-MX" sz="1600" dirty="0" err="1"/>
+              <a:t>ShellSort</a:t>
+            </a:r>
+            <a:endParaRPr lang="es-MX" altLang="es-MX" sz="1600" dirty="0"/>
           </a:p>
           <a:p>
             <a:pPr marL="0" marR="0" lvl="0" indent="0" algn="l" defTabSz="914400" rtl="0" eaLnBrk="0" fontAlgn="base" latinLnBrk="0" hangingPunct="0">
@@ -8180,9 +8283,26 @@
               <a:tabLst/>
             </a:pPr>
             <a:r>
-              <a:rPr lang="es-MX" altLang="es-MX" dirty="0"/>
-              <a:t>Clase que contiene el método Burbuja, que recorre el arreglo comparando elementos consecutivos y los intercambia si están fuera de orden.</a:t>
-            </a:r>
+              <a:rPr lang="es-MX" altLang="es-MX" sz="1400" dirty="0"/>
+              <a:t>Generalización de inserción directa que permite intercambiar elementos que están lejos.</a:t>
+            </a:r>
+          </a:p>
+          <a:p>
+            <a:pPr marL="0" marR="0" lvl="0" indent="0" algn="l" defTabSz="914400" rtl="0" eaLnBrk="0" fontAlgn="base" latinLnBrk="0" hangingPunct="0">
+              <a:lnSpc>
+                <a:spcPct val="100000"/>
+              </a:lnSpc>
+              <a:spcBef>
+                <a:spcPct val="0"/>
+              </a:spcBef>
+              <a:spcAft>
+                <a:spcPct val="0"/>
+              </a:spcAft>
+              <a:buClrTx/>
+              <a:buSzTx/>
+              <a:tabLst/>
+            </a:pPr>
+            <a:endParaRPr lang="es-MX" altLang="es-MX" sz="1400" dirty="0"/>
           </a:p>
           <a:p>
             <a:pPr marL="0" marR="0" lvl="0" indent="0" algn="l" defTabSz="914400" rtl="0" eaLnBrk="0" fontAlgn="base" latinLnBrk="0" hangingPunct="0">
@@ -8202,16 +8322,8 @@
               <a:tabLst/>
             </a:pPr>
             <a:r>
-              <a:rPr lang="es-MX" altLang="es-MX" dirty="0"/>
-              <a:t>Incluye un método auxiliar </a:t>
-            </a:r>
-            <a:r>
-              <a:rPr lang="es-MX" altLang="es-MX" dirty="0" err="1"/>
-              <a:t>arregloToString</a:t>
-            </a:r>
-            <a:r>
-              <a:rPr lang="es-MX" altLang="es-MX" dirty="0"/>
-              <a:t>() para convertir el arreglo a texto y mostrarlo en la interfaz.</a:t>
+              <a:rPr lang="es-MX" altLang="es-MX" sz="1400" dirty="0"/>
+              <a:t>Utiliza un valor gap que disminuye progresivamente hasta 1.</a:t>
             </a:r>
           </a:p>
           <a:p>
@@ -8227,100 +8339,9 @@
               </a:spcAft>
               <a:buClrTx/>
               <a:buSzTx/>
-              <a:buFontTx/>
-              <a:buNone/>
               <a:tabLst/>
             </a:pPr>
-            <a:endParaRPr lang="es-MX" altLang="es-MX" dirty="0"/>
-          </a:p>
-        </p:txBody>
-      </p:sp>
-      <p:sp>
-        <p:nvSpPr>
-          <p:cNvPr id="9" name="Rectangle 2">
-            <a:extLst>
-              <a:ext uri="{FF2B5EF4-FFF2-40B4-BE49-F238E27FC236}">
-                <a16:creationId xmlns:a16="http://schemas.microsoft.com/office/drawing/2014/main" id="{233B1198-2022-D8A3-8B1E-25111C7274D2}"/>
-              </a:ext>
-            </a:extLst>
-          </p:cNvPr>
-          <p:cNvSpPr>
-            <a:spLocks noChangeArrowheads="1"/>
-          </p:cNvSpPr>
-          <p:nvPr/>
-        </p:nvSpPr>
-        <p:spPr bwMode="auto">
-          <a:xfrm>
-            <a:off x="4346346" y="1199019"/>
-            <a:ext cx="5927431" cy="2031325"/>
-          </a:xfrm>
-          <a:prstGeom prst="rect">
-            <a:avLst/>
-          </a:prstGeom>
-          <a:noFill/>
-          <a:ln>
-            <a:noFill/>
-          </a:ln>
-          <a:effectLst/>
-          <a:extLst>
-            <a:ext uri="{909E8E84-426E-40DD-AFC4-6F175D3DCCD1}">
-              <a14:hiddenFill xmlns:a14="http://schemas.microsoft.com/office/drawing/2010/main">
-                <a:solidFill>
-                  <a:schemeClr val="accent1"/>
-                </a:solidFill>
-              </a14:hiddenFill>
-            </a:ext>
-            <a:ext uri="{91240B29-F687-4F45-9708-019B960494DF}">
-              <a14:hiddenLine xmlns:a14="http://schemas.microsoft.com/office/drawing/2010/main" w="9525">
-                <a:solidFill>
-                  <a:schemeClr val="tx1"/>
-                </a:solidFill>
-                <a:miter lim="800000"/>
-                <a:headEnd/>
-                <a:tailEnd/>
-              </a14:hiddenLine>
-            </a:ext>
-            <a:ext uri="{AF507438-7753-43E0-B8FC-AC1667EBCBE1}">
-              <a14:hiddenEffects xmlns:a14="http://schemas.microsoft.com/office/drawing/2010/main">
-                <a:effectLst>
-                  <a:outerShdw dist="35921" dir="2700000" algn="ctr" rotWithShape="0">
-                    <a:schemeClr val="bg2"/>
-                  </a:outerShdw>
-                </a:effectLst>
-              </a14:hiddenEffects>
-            </a:ext>
-          </a:extLst>
-        </p:spPr>
-        <p:txBody>
-          <a:bodyPr vert="horz" wrap="square" lIns="91440" tIns="45720" rIns="91440" bIns="45720" numCol="1" anchor="ctr" anchorCtr="0" compatLnSpc="1">
-            <a:prstTxWarp prst="textNoShape">
-              <a:avLst/>
-            </a:prstTxWarp>
-            <a:spAutoFit/>
-          </a:bodyPr>
-          <a:lstStyle/>
-          <a:p>
-            <a:pPr marL="0" marR="0" lvl="0" indent="0" algn="l" defTabSz="914400" rtl="0" eaLnBrk="0" fontAlgn="base" latinLnBrk="0" hangingPunct="0">
-              <a:lnSpc>
-                <a:spcPct val="100000"/>
-              </a:lnSpc>
-              <a:spcBef>
-                <a:spcPct val="0"/>
-              </a:spcBef>
-              <a:spcAft>
-                <a:spcPct val="0"/>
-              </a:spcAft>
-              <a:buClrTx/>
-              <a:buSzTx/>
-              <a:buFontTx/>
-              <a:buNone/>
-              <a:tabLst/>
-            </a:pPr>
-            <a:r>
-              <a:rPr lang="es-MX" altLang="es-MX" dirty="0" err="1"/>
-              <a:t>OrdenamientoExterno</a:t>
-            </a:r>
-            <a:endParaRPr lang="es-MX" altLang="es-MX" dirty="0"/>
+            <a:endParaRPr lang="es-MX" altLang="es-MX" sz="1400" dirty="0"/>
           </a:p>
           <a:p>
             <a:pPr marL="0" marR="0" lvl="0" indent="0" algn="l" defTabSz="914400" rtl="0" eaLnBrk="0" fontAlgn="base" latinLnBrk="0" hangingPunct="0">
@@ -8340,8 +8361,8 @@
               <a:tabLst/>
             </a:pPr>
             <a:r>
-              <a:rPr lang="es-MX" altLang="es-MX" dirty="0"/>
-              <a:t>Clase encargada de manejar la lectura y escritura de archivos.</a:t>
+              <a:rPr lang="es-MX" altLang="es-MX" sz="1400" dirty="0"/>
+              <a:t>Es más rápido que burbuja o inserción para listas medianas.</a:t>
             </a:r>
           </a:p>
           <a:p>
@@ -8358,138 +8379,157 @@
               <a:buClrTx/>
               <a:buSzTx/>
               <a:buFontTx/>
-              <a:buChar char="•"/>
+              <a:buNone/>
               <a:tabLst/>
             </a:pPr>
-            <a:r>
-              <a:rPr lang="es-MX" altLang="es-MX" dirty="0"/>
-              <a:t>Implementa la lógica de ordenamiento externo, que permite trabajar con conjuntos de datos grandes que no caben completamente en memoria.</a:t>
-            </a:r>
-          </a:p>
-          <a:p>
-            <a:pPr marL="0" marR="0" lvl="0" indent="0" algn="l" defTabSz="914400" rtl="0" eaLnBrk="0" fontAlgn="base" latinLnBrk="0" hangingPunct="0">
-              <a:lnSpc>
-                <a:spcPct val="100000"/>
-              </a:lnSpc>
-              <a:spcBef>
-                <a:spcPct val="0"/>
-              </a:spcBef>
-              <a:spcAft>
-                <a:spcPct val="0"/>
-              </a:spcAft>
-              <a:buClrTx/>
-              <a:buSzTx/>
-              <a:buFontTx/>
-              <a:buNone/>
-              <a:tabLst/>
-            </a:pPr>
-            <a:endParaRPr lang="es-MX" altLang="es-MX" dirty="0"/>
-          </a:p>
-        </p:txBody>
-      </p:sp>
-      <p:sp>
-        <p:nvSpPr>
-          <p:cNvPr id="10" name="Rectángulo 9">
+            <a:endParaRPr lang="es-MX" altLang="es-MX" sz="1600" dirty="0"/>
+          </a:p>
+        </p:txBody>
+      </p:sp>
+      <p:pic>
+        <p:nvPicPr>
+          <p:cNvPr id="12" name="Imagen 11">
             <a:extLst>
               <a:ext uri="{FF2B5EF4-FFF2-40B4-BE49-F238E27FC236}">
-                <a16:creationId xmlns:a16="http://schemas.microsoft.com/office/drawing/2014/main" id="{522347B7-0D47-E16A-52CB-03B81021BF43}"/>
+                <a16:creationId xmlns:a16="http://schemas.microsoft.com/office/drawing/2014/main" id="{A78357FD-AD9E-1321-0347-431D461F5C8E}"/>
               </a:ext>
             </a:extLst>
           </p:cNvPr>
-          <p:cNvSpPr/>
+          <p:cNvPicPr>
+            <a:picLocks noChangeAspect="1"/>
+          </p:cNvPicPr>
           <p:nvPr/>
-        </p:nvSpPr>
-        <p:spPr>
-          <a:xfrm>
-            <a:off x="102742" y="421240"/>
-            <a:ext cx="10089222" cy="3127400"/>
+        </p:nvPicPr>
+        <p:blipFill>
+          <a:blip r:embed="rId4"/>
+          <a:stretch>
+            <a:fillRect/>
+          </a:stretch>
+        </p:blipFill>
+        <p:spPr>
+          <a:xfrm>
+            <a:off x="5869625" y="1666885"/>
+            <a:ext cx="3047518" cy="2228560"/>
+          </a:xfrm>
+          <a:prstGeom prst="rect">
+            <a:avLst/>
+          </a:prstGeom>
+        </p:spPr>
+      </p:pic>
+      <p:pic>
+        <p:nvPicPr>
+          <p:cNvPr id="14" name="Imagen 13">
+            <a:extLst>
+              <a:ext uri="{FF2B5EF4-FFF2-40B4-BE49-F238E27FC236}">
+                <a16:creationId xmlns:a16="http://schemas.microsoft.com/office/drawing/2014/main" id="{9DBB41FD-1EB1-10F5-5C28-F809301E332E}"/>
+              </a:ext>
+            </a:extLst>
+          </p:cNvPr>
+          <p:cNvPicPr>
+            <a:picLocks noChangeAspect="1"/>
+          </p:cNvPicPr>
+          <p:nvPr/>
+        </p:nvPicPr>
+        <p:blipFill>
+          <a:blip r:embed="rId5"/>
+          <a:stretch>
+            <a:fillRect/>
+          </a:stretch>
+        </p:blipFill>
+        <p:spPr>
+          <a:xfrm>
+            <a:off x="9350105" y="571755"/>
+            <a:ext cx="2181410" cy="3323690"/>
+          </a:xfrm>
+          <a:prstGeom prst="rect">
+            <a:avLst/>
+          </a:prstGeom>
+        </p:spPr>
+      </p:pic>
+      <p:sp>
+        <p:nvSpPr>
+          <p:cNvPr id="16" name="CuadroTexto 15">
+            <a:extLst>
+              <a:ext uri="{FF2B5EF4-FFF2-40B4-BE49-F238E27FC236}">
+                <a16:creationId xmlns:a16="http://schemas.microsoft.com/office/drawing/2014/main" id="{ADDA4706-C21C-A96B-C94C-AF9FCF4C07A7}"/>
+              </a:ext>
+            </a:extLst>
+          </p:cNvPr>
+          <p:cNvSpPr txBox="1"/>
+          <p:nvPr/>
+        </p:nvSpPr>
+        <p:spPr>
+          <a:xfrm>
+            <a:off x="8948573" y="4249640"/>
+            <a:ext cx="3123562" cy="2308324"/>
           </a:xfrm>
           <a:prstGeom prst="rect">
             <a:avLst/>
           </a:prstGeom>
           <a:noFill/>
         </p:spPr>
-        <p:style>
-          <a:lnRef idx="2">
-            <a:schemeClr val="accent1">
-              <a:shade val="15000"/>
-            </a:schemeClr>
-          </a:lnRef>
-          <a:fillRef idx="1">
-            <a:schemeClr val="accent1"/>
-          </a:fillRef>
-          <a:effectRef idx="0">
-            <a:schemeClr val="accent1"/>
-          </a:effectRef>
-          <a:fontRef idx="minor">
-            <a:schemeClr val="lt1"/>
-          </a:fontRef>
-        </p:style>
-        <p:txBody>
-          <a:bodyPr rtlCol="0" anchor="ctr"/>
+        <p:txBody>
+          <a:bodyPr wrap="square">
+            <a:spAutoFit/>
+          </a:bodyPr>
           <a:lstStyle/>
           <a:p>
-            <a:pPr algn="ctr"/>
-            <a:endParaRPr lang="es-MX"/>
-          </a:p>
-        </p:txBody>
-      </p:sp>
-      <p:sp>
-        <p:nvSpPr>
-          <p:cNvPr id="11" name="Rectángulo 10">
-            <a:extLst>
-              <a:ext uri="{FF2B5EF4-FFF2-40B4-BE49-F238E27FC236}">
-                <a16:creationId xmlns:a16="http://schemas.microsoft.com/office/drawing/2014/main" id="{5101BC5C-A047-9C7B-3358-FCAC538D40F0}"/>
-              </a:ext>
-            </a:extLst>
-          </p:cNvPr>
-          <p:cNvSpPr/>
-          <p:nvPr/>
-        </p:nvSpPr>
-        <p:spPr>
-          <a:xfrm>
-            <a:off x="102742" y="3627657"/>
-            <a:ext cx="10171035" cy="3230343"/>
-          </a:xfrm>
-          <a:prstGeom prst="rect">
-            <a:avLst/>
-          </a:prstGeom>
-          <a:noFill/>
-          <a:ln>
-            <a:solidFill>
-              <a:srgbClr val="FFFF00"/>
-            </a:solidFill>
-          </a:ln>
-        </p:spPr>
-        <p:style>
-          <a:lnRef idx="2">
-            <a:schemeClr val="accent1">
-              <a:shade val="15000"/>
-            </a:schemeClr>
-          </a:lnRef>
-          <a:fillRef idx="1">
-            <a:schemeClr val="accent1"/>
-          </a:fillRef>
-          <a:effectRef idx="0">
-            <a:schemeClr val="accent1"/>
-          </a:effectRef>
-          <a:fontRef idx="minor">
-            <a:schemeClr val="lt1"/>
-          </a:fontRef>
-        </p:style>
-        <p:txBody>
-          <a:bodyPr rtlCol="0" anchor="ctr"/>
-          <a:lstStyle/>
-          <a:p>
-            <a:pPr algn="ctr"/>
-            <a:endParaRPr lang="es-MX"/>
+            <a:r>
+              <a:rPr lang="es-MX" dirty="0" err="1"/>
+              <a:t>Radix</a:t>
+            </a:r>
+            <a:r>
+              <a:rPr lang="es-MX" dirty="0"/>
+              <a:t> </a:t>
+            </a:r>
+            <a:r>
+              <a:rPr lang="es-MX" dirty="0" err="1"/>
+              <a:t>Sort</a:t>
+            </a:r>
+            <a:endParaRPr lang="es-MX" dirty="0"/>
+          </a:p>
+          <a:p>
+            <a:pPr>
+              <a:buFont typeface="Arial" panose="020B0604020202020204" pitchFamily="34" charset="0"/>
+              <a:buChar char="•"/>
+            </a:pPr>
+            <a:r>
+              <a:rPr lang="es-MX" sz="1400" dirty="0"/>
+              <a:t>Ordena números por dígitos, empezando por el menos significativo hasta el más significativo.</a:t>
+            </a:r>
+          </a:p>
+          <a:p>
+            <a:endParaRPr lang="es-MX" sz="1400" dirty="0"/>
+          </a:p>
+          <a:p>
+            <a:pPr>
+              <a:buFont typeface="Arial" panose="020B0604020202020204" pitchFamily="34" charset="0"/>
+              <a:buChar char="•"/>
+            </a:pPr>
+            <a:r>
+              <a:rPr lang="es-MX" sz="1400" dirty="0"/>
+              <a:t>No se basa en comparaciones directas, sino en conteo de dígitos.</a:t>
+            </a:r>
+          </a:p>
+          <a:p>
+            <a:endParaRPr lang="es-MX" sz="1400" dirty="0"/>
+          </a:p>
+          <a:p>
+            <a:pPr>
+              <a:buFont typeface="Arial" panose="020B0604020202020204" pitchFamily="34" charset="0"/>
+              <a:buChar char="•"/>
+            </a:pPr>
+            <a:r>
+              <a:rPr lang="es-MX" sz="1400" dirty="0"/>
+              <a:t>Muy eficiente para datos numéricos grandes.</a:t>
+            </a:r>
           </a:p>
         </p:txBody>
       </p:sp>
     </p:spTree>
     <p:extLst>
       <p:ext uri="{BB962C8B-B14F-4D97-AF65-F5344CB8AC3E}">
-        <p14:creationId xmlns:p14="http://schemas.microsoft.com/office/powerpoint/2010/main" val="797987129"/>
+        <p14:creationId xmlns:p14="http://schemas.microsoft.com/office/powerpoint/2010/main" val="3288415444"/>
       </p:ext>
     </p:extLst>
   </p:cSld>
@@ -8521,7 +8561,7 @@
           <p:cNvPr id="2" name="Título 1">
             <a:extLst>
               <a:ext uri="{FF2B5EF4-FFF2-40B4-BE49-F238E27FC236}">
-                <a16:creationId xmlns:a16="http://schemas.microsoft.com/office/drawing/2014/main" id="{5C23EA8F-AA81-7836-4733-B19AF28B25A8}"/>
+                <a16:creationId xmlns:a16="http://schemas.microsoft.com/office/drawing/2014/main" id="{01907CF0-F11F-24F4-FBE8-DEE5545FE461}"/>
               </a:ext>
             </a:extLst>
           </p:cNvPr>
@@ -8532,249 +8572,206 @@
             <p:ph type="title"/>
           </p:nvPr>
         </p:nvSpPr>
-        <p:spPr/>
+        <p:spPr>
+          <a:xfrm>
+            <a:off x="1984871" y="89001"/>
+            <a:ext cx="8911687" cy="1280890"/>
+          </a:xfrm>
+        </p:spPr>
         <p:txBody>
           <a:bodyPr/>
           <a:lstStyle/>
           <a:p>
             <a:r>
-              <a:rPr lang="es-MX" dirty="0" err="1"/>
-              <a:t>Main-view.fxml</a:t>
-            </a:r>
-            <a:endParaRPr lang="es-MX" dirty="0"/>
-          </a:p>
-        </p:txBody>
-      </p:sp>
-      <p:sp>
-        <p:nvSpPr>
-          <p:cNvPr id="4" name="Rectangle 1">
+              <a:rPr lang="es-MX" dirty="0"/>
+              <a:t>Métodos externos</a:t>
+            </a:r>
+          </a:p>
+        </p:txBody>
+      </p:sp>
+      <p:sp>
+        <p:nvSpPr>
+          <p:cNvPr id="3" name="Marcador de contenido 2">
             <a:extLst>
               <a:ext uri="{FF2B5EF4-FFF2-40B4-BE49-F238E27FC236}">
-                <a16:creationId xmlns:a16="http://schemas.microsoft.com/office/drawing/2014/main" id="{01341100-4ABC-623A-D5B8-F35B9A92400F}"/>
+                <a16:creationId xmlns:a16="http://schemas.microsoft.com/office/drawing/2014/main" id="{4DFDCC4B-AD74-15B7-1B85-E6CA93EF97C4}"/>
               </a:ext>
             </a:extLst>
           </p:cNvPr>
           <p:cNvSpPr>
-            <a:spLocks noGrp="1" noChangeArrowheads="1"/>
+            <a:spLocks noGrp="1"/>
           </p:cNvSpPr>
           <p:nvPr>
             <p:ph idx="1"/>
           </p:nvPr>
         </p:nvSpPr>
-        <p:spPr bwMode="auto">
-          <a:xfrm>
-            <a:off x="5910943" y="2445379"/>
-            <a:ext cx="6612650" cy="2462213"/>
+        <p:spPr>
+          <a:xfrm>
+            <a:off x="935072" y="4306584"/>
+            <a:ext cx="3842410" cy="2551416"/>
+          </a:xfrm>
+        </p:spPr>
+        <p:txBody>
+          <a:bodyPr>
+            <a:normAutofit/>
+          </a:bodyPr>
+          <a:lstStyle/>
+          <a:p>
+            <a:r>
+              <a:rPr lang="es-MX" sz="1600" b="1" cap="none" dirty="0"/>
+              <a:t>Intercalación</a:t>
+            </a:r>
+            <a:endParaRPr lang="es-MX" sz="1600" cap="none" dirty="0"/>
+          </a:p>
+          <a:p>
+            <a:pPr>
+              <a:buFont typeface="Arial" panose="020B0604020202020204" pitchFamily="34" charset="0"/>
+              <a:buChar char="•"/>
+            </a:pPr>
+            <a:r>
+              <a:rPr lang="es-MX" sz="1600" cap="none" dirty="0"/>
+              <a:t>Divide el array en </a:t>
+            </a:r>
+            <a:r>
+              <a:rPr lang="es-MX" sz="1600" cap="none" dirty="0" err="1"/>
+              <a:t>subarrays</a:t>
+            </a:r>
+            <a:r>
+              <a:rPr lang="es-MX" sz="1600" cap="none" dirty="0"/>
+              <a:t>, los ordena y luego los combina (</a:t>
+            </a:r>
+            <a:r>
+              <a:rPr lang="es-MX" sz="1600" cap="none" dirty="0" err="1"/>
+              <a:t>merge</a:t>
+            </a:r>
+            <a:r>
+              <a:rPr lang="es-MX" sz="1600" cap="none" dirty="0"/>
+              <a:t>).</a:t>
+            </a:r>
+          </a:p>
+          <a:p>
+            <a:pPr>
+              <a:buFont typeface="Arial" panose="020B0604020202020204" pitchFamily="34" charset="0"/>
+              <a:buChar char="•"/>
+            </a:pPr>
+            <a:r>
+              <a:rPr lang="es-MX" sz="1600" cap="none" dirty="0"/>
+              <a:t>Simula cómo se procesan archivos grandes en discos.</a:t>
+            </a:r>
+          </a:p>
+          <a:p>
+            <a:endParaRPr lang="es-MX" sz="1600" cap="none" dirty="0"/>
+          </a:p>
+        </p:txBody>
+      </p:sp>
+      <p:sp>
+        <p:nvSpPr>
+          <p:cNvPr id="5" name="CuadroTexto 4">
+            <a:extLst>
+              <a:ext uri="{FF2B5EF4-FFF2-40B4-BE49-F238E27FC236}">
+                <a16:creationId xmlns:a16="http://schemas.microsoft.com/office/drawing/2014/main" id="{4DC8915E-7F42-D385-8937-DBA5CFCD1A94}"/>
+              </a:ext>
+            </a:extLst>
+          </p:cNvPr>
+          <p:cNvSpPr txBox="1"/>
+          <p:nvPr/>
+        </p:nvSpPr>
+        <p:spPr>
+          <a:xfrm>
+            <a:off x="5052317" y="4306584"/>
+            <a:ext cx="3732088" cy="1077218"/>
           </a:xfrm>
           <a:prstGeom prst="rect">
             <a:avLst/>
           </a:prstGeom>
           <a:noFill/>
-          <a:ln>
-            <a:noFill/>
-          </a:ln>
-          <a:effectLst/>
-          <a:extLst>
-            <a:ext uri="{909E8E84-426E-40DD-AFC4-6F175D3DCCD1}">
-              <a14:hiddenFill xmlns:a14="http://schemas.microsoft.com/office/drawing/2010/main">
-                <a:solidFill>
-                  <a:schemeClr val="accent1"/>
-                </a:solidFill>
-              </a14:hiddenFill>
-            </a:ext>
-            <a:ext uri="{91240B29-F687-4F45-9708-019B960494DF}">
-              <a14:hiddenLine xmlns:a14="http://schemas.microsoft.com/office/drawing/2010/main" w="9525">
-                <a:solidFill>
-                  <a:schemeClr val="tx1"/>
-                </a:solidFill>
-                <a:miter lim="800000"/>
-                <a:headEnd/>
-                <a:tailEnd/>
-              </a14:hiddenLine>
-            </a:ext>
-            <a:ext uri="{AF507438-7753-43E0-B8FC-AC1667EBCBE1}">
-              <a14:hiddenEffects xmlns:a14="http://schemas.microsoft.com/office/drawing/2010/main">
-                <a:effectLst>
-                  <a:outerShdw dist="35921" dir="2700000" algn="ctr" rotWithShape="0">
-                    <a:schemeClr val="bg2"/>
-                  </a:outerShdw>
-                </a:effectLst>
-              </a14:hiddenEffects>
-            </a:ext>
-          </a:extLst>
-        </p:spPr>
-        <p:txBody>
-          <a:bodyPr vert="horz" wrap="square" lIns="91440" tIns="45720" rIns="91440" bIns="45720" numCol="1" anchor="ctr" anchorCtr="0" compatLnSpc="1">
-            <a:prstTxWarp prst="textNoShape">
-              <a:avLst/>
-            </a:prstTxWarp>
+        </p:spPr>
+        <p:txBody>
+          <a:bodyPr wrap="square">
             <a:spAutoFit/>
           </a:bodyPr>
           <a:lstStyle/>
           <a:p>
-            <a:pPr marL="0" marR="0" lvl="0" indent="0" algn="l" defTabSz="914400" rtl="0" eaLnBrk="0" fontAlgn="base" latinLnBrk="0" hangingPunct="0">
-              <a:lnSpc>
-                <a:spcPct val="100000"/>
-              </a:lnSpc>
-              <a:spcBef>
-                <a:spcPct val="0"/>
-              </a:spcBef>
-              <a:spcAft>
-                <a:spcPct val="0"/>
-              </a:spcAft>
-              <a:buClrTx/>
-              <a:buSzTx/>
-              <a:buFontTx/>
-              <a:buNone/>
-              <a:tabLst/>
+            <a:r>
+              <a:rPr lang="es-MX" sz="1600" b="1" dirty="0"/>
+              <a:t>Mezcla Directa</a:t>
+            </a:r>
+            <a:endParaRPr lang="es-MX" sz="1600" dirty="0"/>
+          </a:p>
+          <a:p>
+            <a:pPr>
+              <a:buFont typeface="Arial" panose="020B0604020202020204" pitchFamily="34" charset="0"/>
+              <a:buChar char="•"/>
             </a:pPr>
             <a:r>
-              <a:rPr lang="es-MX" altLang="es-MX" cap="none" dirty="0" err="1"/>
-              <a:t>Main-view.Fxml</a:t>
-            </a:r>
-            <a:endParaRPr lang="es-MX" altLang="es-MX" cap="none" dirty="0"/>
-          </a:p>
-          <a:p>
-            <a:pPr marL="0" marR="0" lvl="0" indent="0" algn="l" defTabSz="914400" rtl="0" eaLnBrk="0" fontAlgn="base" latinLnBrk="0" hangingPunct="0">
-              <a:lnSpc>
-                <a:spcPct val="100000"/>
-              </a:lnSpc>
-              <a:spcBef>
-                <a:spcPct val="0"/>
-              </a:spcBef>
-              <a:spcAft>
-                <a:spcPct val="0"/>
-              </a:spcAft>
-              <a:buClrTx/>
-              <a:buSzTx/>
-              <a:buFontTx/>
+              <a:rPr lang="es-MX" sz="1600" dirty="0"/>
+              <a:t>Similar a la intercalación, pero divide siempre en dos mitades y combina recursivamente.</a:t>
+            </a:r>
+          </a:p>
+        </p:txBody>
+      </p:sp>
+      <p:sp>
+        <p:nvSpPr>
+          <p:cNvPr id="7" name="CuadroTexto 6">
+            <a:extLst>
+              <a:ext uri="{FF2B5EF4-FFF2-40B4-BE49-F238E27FC236}">
+                <a16:creationId xmlns:a16="http://schemas.microsoft.com/office/drawing/2014/main" id="{45DEC783-EBEF-2402-376B-F0B89E226ACF}"/>
+              </a:ext>
+            </a:extLst>
+          </p:cNvPr>
+          <p:cNvSpPr txBox="1"/>
+          <p:nvPr/>
+        </p:nvSpPr>
+        <p:spPr>
+          <a:xfrm>
+            <a:off x="8784405" y="4260503"/>
+            <a:ext cx="3144017" cy="1384995"/>
+          </a:xfrm>
+          <a:prstGeom prst="rect">
+            <a:avLst/>
+          </a:prstGeom>
+          <a:noFill/>
+        </p:spPr>
+        <p:txBody>
+          <a:bodyPr wrap="square">
+            <a:spAutoFit/>
+          </a:bodyPr>
+          <a:lstStyle/>
+          <a:p>
+            <a:r>
+              <a:rPr lang="es-MX" sz="1400" b="1" dirty="0"/>
+              <a:t>Mezcla Natural</a:t>
+            </a:r>
+            <a:endParaRPr lang="es-MX" sz="1400" dirty="0"/>
+          </a:p>
+          <a:p>
+            <a:pPr>
+              <a:buFont typeface="Arial" panose="020B0604020202020204" pitchFamily="34" charset="0"/>
               <a:buChar char="•"/>
-              <a:tabLst/>
             </a:pPr>
             <a:r>
-              <a:rPr lang="es-MX" altLang="es-MX" cap="none" dirty="0"/>
-              <a:t>Archivo FXML que define la interfaz gráfica, incluyendo:</a:t>
-            </a:r>
-          </a:p>
-          <a:p>
-            <a:pPr marL="457200" marR="0" lvl="1" indent="0" algn="l" defTabSz="914400" rtl="0" eaLnBrk="0" fontAlgn="base" latinLnBrk="0" hangingPunct="0">
-              <a:lnSpc>
-                <a:spcPct val="100000"/>
-              </a:lnSpc>
-              <a:spcBef>
-                <a:spcPct val="0"/>
-              </a:spcBef>
-              <a:spcAft>
-                <a:spcPct val="0"/>
-              </a:spcAft>
-              <a:buClrTx/>
-              <a:buSzTx/>
-              <a:buFontTx/>
+              <a:rPr lang="es-MX" sz="1400" dirty="0"/>
+              <a:t>Detecta secuencias ordenadas existentes en los datos y las combina de manera natural.</a:t>
+            </a:r>
+          </a:p>
+          <a:p>
+            <a:pPr>
+              <a:buFont typeface="Arial" panose="020B0604020202020204" pitchFamily="34" charset="0"/>
               <a:buChar char="•"/>
-              <a:tabLst/>
             </a:pPr>
             <a:r>
-              <a:rPr lang="es-MX" altLang="es-MX" cap="none" dirty="0"/>
-              <a:t>Botón para ordenamiento interno</a:t>
-            </a:r>
-          </a:p>
-          <a:p>
-            <a:pPr marL="457200" marR="0" lvl="1" indent="0" algn="l" defTabSz="914400" rtl="0" eaLnBrk="0" fontAlgn="base" latinLnBrk="0" hangingPunct="0">
-              <a:lnSpc>
-                <a:spcPct val="100000"/>
-              </a:lnSpc>
-              <a:spcBef>
-                <a:spcPct val="0"/>
-              </a:spcBef>
-              <a:spcAft>
-                <a:spcPct val="0"/>
-              </a:spcAft>
-              <a:buClrTx/>
-              <a:buSzTx/>
-              <a:buFontTx/>
-              <a:buChar char="•"/>
-              <a:tabLst/>
-            </a:pPr>
-            <a:r>
-              <a:rPr lang="es-MX" altLang="es-MX" cap="none" dirty="0"/>
-              <a:t>Botón para ordenamiento externo</a:t>
-            </a:r>
-          </a:p>
-          <a:p>
-            <a:pPr marL="457200" marR="0" lvl="1" indent="0" algn="l" defTabSz="914400" rtl="0" eaLnBrk="0" fontAlgn="base" latinLnBrk="0" hangingPunct="0">
-              <a:lnSpc>
-                <a:spcPct val="100000"/>
-              </a:lnSpc>
-              <a:spcBef>
-                <a:spcPct val="0"/>
-              </a:spcBef>
-              <a:spcAft>
-                <a:spcPct val="0"/>
-              </a:spcAft>
-              <a:buClrTx/>
-              <a:buSzTx/>
-              <a:buFontTx/>
-              <a:buChar char="•"/>
-              <a:tabLst/>
-            </a:pPr>
-            <a:r>
-              <a:rPr lang="es-MX" altLang="es-MX" cap="none" dirty="0" err="1"/>
-              <a:t>Textarea</a:t>
-            </a:r>
-            <a:r>
-              <a:rPr lang="es-MX" altLang="es-MX" cap="none" dirty="0"/>
-              <a:t> para mostrar resultados</a:t>
-            </a:r>
-          </a:p>
-          <a:p>
-            <a:pPr marL="0" marR="0" lvl="0" indent="0" algn="l" defTabSz="914400" rtl="0" eaLnBrk="0" fontAlgn="base" latinLnBrk="0" hangingPunct="0">
-              <a:lnSpc>
-                <a:spcPct val="100000"/>
-              </a:lnSpc>
-              <a:spcBef>
-                <a:spcPct val="0"/>
-              </a:spcBef>
-              <a:spcAft>
-                <a:spcPct val="0"/>
-              </a:spcAft>
-              <a:buClrTx/>
-              <a:buSzTx/>
-              <a:buFontTx/>
-              <a:buChar char="•"/>
-              <a:tabLst/>
-            </a:pPr>
-            <a:r>
-              <a:rPr lang="es-MX" altLang="es-MX" cap="none" dirty="0"/>
-              <a:t>Está vinculado al controlador para que las acciones de los botones ejecuten los métodos correspondientes.</a:t>
-            </a:r>
-          </a:p>
-          <a:p>
-            <a:pPr marL="0" marR="0" lvl="0" indent="0" algn="l" defTabSz="914400" rtl="0" eaLnBrk="0" fontAlgn="base" latinLnBrk="0" hangingPunct="0">
-              <a:lnSpc>
-                <a:spcPct val="100000"/>
-              </a:lnSpc>
-              <a:spcBef>
-                <a:spcPct val="0"/>
-              </a:spcBef>
-              <a:spcAft>
-                <a:spcPct val="0"/>
-              </a:spcAft>
-              <a:buClrTx/>
-              <a:buSzTx/>
-              <a:buFontTx/>
-              <a:buNone/>
-              <a:tabLst/>
-            </a:pPr>
-            <a:endParaRPr lang="es-MX" altLang="es-MX" cap="none" dirty="0"/>
+              <a:rPr lang="es-MX" sz="1400" dirty="0"/>
+              <a:t>Optimiza el número de pasadas comparado con la mezcla directa.</a:t>
+            </a:r>
           </a:p>
         </p:txBody>
       </p:sp>
       <p:pic>
         <p:nvPicPr>
-          <p:cNvPr id="6" name="Imagen 5">
+          <p:cNvPr id="9" name="Imagen 8">
             <a:extLst>
               <a:ext uri="{FF2B5EF4-FFF2-40B4-BE49-F238E27FC236}">
-                <a16:creationId xmlns:a16="http://schemas.microsoft.com/office/drawing/2014/main" id="{439BA571-4C42-9B76-2D44-7DBAAC16EBA1}"/>
+                <a16:creationId xmlns:a16="http://schemas.microsoft.com/office/drawing/2014/main" id="{1C2D69BE-A902-78D3-A5AF-AC136410F691}"/>
               </a:ext>
             </a:extLst>
           </p:cNvPr>
@@ -8791,8 +8788,68 @@
         </p:blipFill>
         <p:spPr>
           <a:xfrm>
-            <a:off x="379766" y="1858063"/>
-            <a:ext cx="5422729" cy="3636844"/>
+            <a:off x="1261028" y="991142"/>
+            <a:ext cx="2328767" cy="3120548"/>
+          </a:xfrm>
+          <a:prstGeom prst="rect">
+            <a:avLst/>
+          </a:prstGeom>
+        </p:spPr>
+      </p:pic>
+      <p:pic>
+        <p:nvPicPr>
+          <p:cNvPr id="11" name="Imagen 10">
+            <a:extLst>
+              <a:ext uri="{FF2B5EF4-FFF2-40B4-BE49-F238E27FC236}">
+                <a16:creationId xmlns:a16="http://schemas.microsoft.com/office/drawing/2014/main" id="{6EF7A15A-09C8-1D24-E6BF-7DF9643F0B43}"/>
+              </a:ext>
+            </a:extLst>
+          </p:cNvPr>
+          <p:cNvPicPr>
+            <a:picLocks noChangeAspect="1"/>
+          </p:cNvPicPr>
+          <p:nvPr/>
+        </p:nvPicPr>
+        <p:blipFill>
+          <a:blip r:embed="rId3"/>
+          <a:stretch>
+            <a:fillRect/>
+          </a:stretch>
+        </p:blipFill>
+        <p:spPr>
+          <a:xfrm>
+            <a:off x="4993115" y="1474198"/>
+            <a:ext cx="2328768" cy="2783343"/>
+          </a:xfrm>
+          <a:prstGeom prst="rect">
+            <a:avLst/>
+          </a:prstGeom>
+        </p:spPr>
+      </p:pic>
+      <p:pic>
+        <p:nvPicPr>
+          <p:cNvPr id="13" name="Imagen 12">
+            <a:extLst>
+              <a:ext uri="{FF2B5EF4-FFF2-40B4-BE49-F238E27FC236}">
+                <a16:creationId xmlns:a16="http://schemas.microsoft.com/office/drawing/2014/main" id="{6C0F02C0-6037-72BD-5B67-997163D3B7F1}"/>
+              </a:ext>
+            </a:extLst>
+          </p:cNvPr>
+          <p:cNvPicPr>
+            <a:picLocks noChangeAspect="1"/>
+          </p:cNvPicPr>
+          <p:nvPr/>
+        </p:nvPicPr>
+        <p:blipFill>
+          <a:blip r:embed="rId4"/>
+          <a:stretch>
+            <a:fillRect/>
+          </a:stretch>
+        </p:blipFill>
+        <p:spPr>
+          <a:xfrm>
+            <a:off x="8807829" y="991142"/>
+            <a:ext cx="2088729" cy="3295215"/>
           </a:xfrm>
           <a:prstGeom prst="rect">
             <a:avLst/>
@@ -8802,7 +8859,7 @@
     </p:spTree>
     <p:extLst>
       <p:ext uri="{BB962C8B-B14F-4D97-AF65-F5344CB8AC3E}">
-        <p14:creationId xmlns:p14="http://schemas.microsoft.com/office/powerpoint/2010/main" val="4026852682"/>
+        <p14:creationId xmlns:p14="http://schemas.microsoft.com/office/powerpoint/2010/main" val="2314318681"/>
       </p:ext>
     </p:extLst>
   </p:cSld>
@@ -8834,7 +8891,7 @@
           <p:cNvPr id="2" name="Título 1">
             <a:extLst>
               <a:ext uri="{FF2B5EF4-FFF2-40B4-BE49-F238E27FC236}">
-                <a16:creationId xmlns:a16="http://schemas.microsoft.com/office/drawing/2014/main" id="{2C0A86CF-961D-F6FC-1FB9-AA6A65E80B94}"/>
+                <a16:creationId xmlns:a16="http://schemas.microsoft.com/office/drawing/2014/main" id="{070A6F31-D834-929F-5250-2AAECB6667F0}"/>
               </a:ext>
             </a:extLst>
           </p:cNvPr>
@@ -8845,38 +8902,31 @@
             <p:ph type="title"/>
           </p:nvPr>
         </p:nvSpPr>
-        <p:spPr>
-          <a:xfrm>
-            <a:off x="1779085" y="0"/>
-            <a:ext cx="8911687" cy="1280890"/>
-          </a:xfrm>
-        </p:spPr>
+        <p:spPr/>
         <p:txBody>
           <a:bodyPr/>
           <a:lstStyle/>
           <a:p>
             <a:r>
               <a:rPr lang="es-MX" dirty="0"/>
-              <a:t>Resultado final: METODOS DE ORDENAMIENTO INTERNOS Y EXTERNOS</a:t>
+              <a:t>Pantallas de los métodos de ordenamiento</a:t>
             </a:r>
           </a:p>
         </p:txBody>
       </p:sp>
       <p:pic>
         <p:nvPicPr>
-          <p:cNvPr id="5" name="Marcador de contenido 4">
+          <p:cNvPr id="4" name="Marcador de contenido 4">
             <a:extLst>
               <a:ext uri="{FF2B5EF4-FFF2-40B4-BE49-F238E27FC236}">
-                <a16:creationId xmlns:a16="http://schemas.microsoft.com/office/drawing/2014/main" id="{C22512E1-9FA3-7A4E-AB45-063724D8F60B}"/>
+                <a16:creationId xmlns:a16="http://schemas.microsoft.com/office/drawing/2014/main" id="{6EF98E7C-171B-3D65-65CD-2FB9F115F8AC}"/>
               </a:ext>
             </a:extLst>
           </p:cNvPr>
           <p:cNvPicPr>
-            <a:picLocks noGrp="1" noChangeAspect="1"/>
+            <a:picLocks noChangeAspect="1"/>
           </p:cNvPicPr>
-          <p:nvPr>
-            <p:ph idx="1"/>
-          </p:nvPr>
+          <p:nvPr/>
         </p:nvPicPr>
         <p:blipFill>
           <a:blip r:embed="rId2"/>
@@ -8886,17 +8936,20 @@
         </p:blipFill>
         <p:spPr>
           <a:xfrm>
-            <a:off x="7629546" y="3494824"/>
-            <a:ext cx="4562454" cy="3166837"/>
-          </a:xfrm>
+            <a:off x="650500" y="2214694"/>
+            <a:ext cx="2364868" cy="2276344"/>
+          </a:xfrm>
+          <a:prstGeom prst="rect">
+            <a:avLst/>
+          </a:prstGeom>
         </p:spPr>
       </p:pic>
       <p:pic>
         <p:nvPicPr>
-          <p:cNvPr id="7" name="Imagen 6">
+          <p:cNvPr id="5" name="Imagen 4">
             <a:extLst>
               <a:ext uri="{FF2B5EF4-FFF2-40B4-BE49-F238E27FC236}">
-                <a16:creationId xmlns:a16="http://schemas.microsoft.com/office/drawing/2014/main" id="{52367389-8195-0D25-BBC8-EACF7C919088}"/>
+                <a16:creationId xmlns:a16="http://schemas.microsoft.com/office/drawing/2014/main" id="{899BA0A4-49E4-A02C-BDF0-01FDC775F452}"/>
               </a:ext>
             </a:extLst>
           </p:cNvPr>
@@ -8913,8 +8966,8 @@
         </p:blipFill>
         <p:spPr>
           <a:xfrm>
-            <a:off x="558228" y="3637052"/>
-            <a:ext cx="4282085" cy="3024610"/>
+            <a:off x="3326737" y="2214694"/>
+            <a:ext cx="2364868" cy="2264503"/>
           </a:xfrm>
           <a:prstGeom prst="rect">
             <a:avLst/>
@@ -8923,10 +8976,10 @@
       </p:pic>
       <p:pic>
         <p:nvPicPr>
-          <p:cNvPr id="9" name="Imagen 8">
+          <p:cNvPr id="6" name="Imagen 5">
             <a:extLst>
               <a:ext uri="{FF2B5EF4-FFF2-40B4-BE49-F238E27FC236}">
-                <a16:creationId xmlns:a16="http://schemas.microsoft.com/office/drawing/2014/main" id="{6E969867-693A-7779-7570-D9ABAA35D91B}"/>
+                <a16:creationId xmlns:a16="http://schemas.microsoft.com/office/drawing/2014/main" id="{6A1216F9-7DFF-0F96-0A8D-B97465D621FC}"/>
               </a:ext>
             </a:extLst>
           </p:cNvPr>
@@ -8943,88 +8996,138 @@
         </p:blipFill>
         <p:spPr>
           <a:xfrm>
-            <a:off x="3802536" y="1086384"/>
-            <a:ext cx="4586927" cy="2276792"/>
+            <a:off x="6127251" y="2214694"/>
+            <a:ext cx="2364869" cy="2285511"/>
           </a:xfrm>
           <a:prstGeom prst="rect">
             <a:avLst/>
           </a:prstGeom>
         </p:spPr>
       </p:pic>
-      <p:sp>
-        <p:nvSpPr>
-          <p:cNvPr id="10" name="CuadroTexto 9">
+      <p:pic>
+        <p:nvPicPr>
+          <p:cNvPr id="7" name="Imagen 6">
             <a:extLst>
               <a:ext uri="{FF2B5EF4-FFF2-40B4-BE49-F238E27FC236}">
-                <a16:creationId xmlns:a16="http://schemas.microsoft.com/office/drawing/2014/main" id="{BDEDFB90-228B-6C3D-891C-9E4338CD904A}"/>
+                <a16:creationId xmlns:a16="http://schemas.microsoft.com/office/drawing/2014/main" id="{577FB7D4-ED4B-3693-4AB7-47AF7D688359}"/>
               </a:ext>
             </a:extLst>
           </p:cNvPr>
-          <p:cNvSpPr txBox="1"/>
+          <p:cNvPicPr>
+            <a:picLocks noChangeAspect="1"/>
+          </p:cNvPicPr>
           <p:nvPr/>
-        </p:nvSpPr>
-        <p:spPr>
-          <a:xfrm>
-            <a:off x="568873" y="3036282"/>
-            <a:ext cx="3561709" cy="369332"/>
+        </p:nvPicPr>
+        <p:blipFill>
+          <a:blip r:embed="rId5"/>
+          <a:stretch>
+            <a:fillRect/>
+          </a:stretch>
+        </p:blipFill>
+        <p:spPr>
+          <a:xfrm>
+            <a:off x="9399313" y="2290709"/>
+            <a:ext cx="2364869" cy="2276581"/>
           </a:xfrm>
           <a:prstGeom prst="rect">
             <a:avLst/>
           </a:prstGeom>
-          <a:noFill/>
-        </p:spPr>
-        <p:txBody>
-          <a:bodyPr wrap="square" rtlCol="0">
-            <a:spAutoFit/>
-          </a:bodyPr>
-          <a:lstStyle/>
-          <a:p>
-            <a:r>
-              <a:rPr lang="es-MX" dirty="0"/>
-              <a:t>ORDENAMIENTO INTERNO</a:t>
-            </a:r>
-          </a:p>
-        </p:txBody>
-      </p:sp>
-      <p:sp>
-        <p:nvSpPr>
-          <p:cNvPr id="11" name="CuadroTexto 10">
+        </p:spPr>
+      </p:pic>
+      <p:pic>
+        <p:nvPicPr>
+          <p:cNvPr id="8" name="Imagen 7">
             <a:extLst>
               <a:ext uri="{FF2B5EF4-FFF2-40B4-BE49-F238E27FC236}">
-                <a16:creationId xmlns:a16="http://schemas.microsoft.com/office/drawing/2014/main" id="{F31F9386-DAC3-3460-2679-20E7F5E7DE19}"/>
+                <a16:creationId xmlns:a16="http://schemas.microsoft.com/office/drawing/2014/main" id="{5BE8CC12-8439-78DB-F9D3-BE5D34AB0BEA}"/>
               </a:ext>
             </a:extLst>
           </p:cNvPr>
-          <p:cNvSpPr txBox="1"/>
+          <p:cNvPicPr>
+            <a:picLocks noChangeAspect="1"/>
+          </p:cNvPicPr>
           <p:nvPr/>
-        </p:nvSpPr>
-        <p:spPr>
-          <a:xfrm>
-            <a:off x="4840313" y="3791533"/>
-            <a:ext cx="2789233" cy="1477328"/>
+        </p:nvPicPr>
+        <p:blipFill>
+          <a:blip r:embed="rId6"/>
+          <a:stretch>
+            <a:fillRect/>
+          </a:stretch>
+        </p:blipFill>
+        <p:spPr>
+          <a:xfrm>
+            <a:off x="2214550" y="4567290"/>
+            <a:ext cx="2224374" cy="2134802"/>
           </a:xfrm>
           <a:prstGeom prst="rect">
             <a:avLst/>
           </a:prstGeom>
-          <a:noFill/>
-        </p:spPr>
-        <p:txBody>
-          <a:bodyPr wrap="square" rtlCol="0">
-            <a:spAutoFit/>
-          </a:bodyPr>
-          <a:lstStyle/>
-          <a:p>
-            <a:r>
-              <a:rPr lang="es-MX" dirty="0"/>
-              <a:t>ORDENAMIENTO EXTERNO: ADENTRAREMOS A NUESTROS ARCHIVOS Y SE REPRENTARA DE LA SIGUIENTE MANERA</a:t>
-            </a:r>
-          </a:p>
-        </p:txBody>
-      </p:sp>
+        </p:spPr>
+      </p:pic>
+      <p:pic>
+        <p:nvPicPr>
+          <p:cNvPr id="9" name="Imagen 8">
+            <a:extLst>
+              <a:ext uri="{FF2B5EF4-FFF2-40B4-BE49-F238E27FC236}">
+                <a16:creationId xmlns:a16="http://schemas.microsoft.com/office/drawing/2014/main" id="{6F56FDE2-B640-D473-DAEF-69262A2091CC}"/>
+              </a:ext>
+            </a:extLst>
+          </p:cNvPr>
+          <p:cNvPicPr>
+            <a:picLocks noChangeAspect="1"/>
+          </p:cNvPicPr>
+          <p:nvPr/>
+        </p:nvPicPr>
+        <p:blipFill>
+          <a:blip r:embed="rId7"/>
+          <a:stretch>
+            <a:fillRect/>
+          </a:stretch>
+        </p:blipFill>
+        <p:spPr>
+          <a:xfrm>
+            <a:off x="4720538" y="4567290"/>
+            <a:ext cx="2224374" cy="2126108"/>
+          </a:xfrm>
+          <a:prstGeom prst="rect">
+            <a:avLst/>
+          </a:prstGeom>
+        </p:spPr>
+      </p:pic>
+      <p:pic>
+        <p:nvPicPr>
+          <p:cNvPr id="10" name="Imagen 9">
+            <a:extLst>
+              <a:ext uri="{FF2B5EF4-FFF2-40B4-BE49-F238E27FC236}">
+                <a16:creationId xmlns:a16="http://schemas.microsoft.com/office/drawing/2014/main" id="{7B7027E7-CBEA-A3F8-0246-09202D27E17C}"/>
+              </a:ext>
+            </a:extLst>
+          </p:cNvPr>
+          <p:cNvPicPr>
+            <a:picLocks noChangeAspect="1"/>
+          </p:cNvPicPr>
+          <p:nvPr/>
+        </p:nvPicPr>
+        <p:blipFill>
+          <a:blip r:embed="rId8"/>
+          <a:stretch>
+            <a:fillRect/>
+          </a:stretch>
+        </p:blipFill>
+        <p:spPr>
+          <a:xfrm>
+            <a:off x="7309686" y="4575836"/>
+            <a:ext cx="2224375" cy="2109015"/>
+          </a:xfrm>
+          <a:prstGeom prst="rect">
+            <a:avLst/>
+          </a:prstGeom>
+        </p:spPr>
+      </p:pic>
     </p:spTree>
     <p:extLst>
       <p:ext uri="{BB962C8B-B14F-4D97-AF65-F5344CB8AC3E}">
-        <p14:creationId xmlns:p14="http://schemas.microsoft.com/office/powerpoint/2010/main" val="4195779663"/>
+        <p14:creationId xmlns:p14="http://schemas.microsoft.com/office/powerpoint/2010/main" val="4054401504"/>
       </p:ext>
     </p:extLst>
   </p:cSld>
@@ -9107,31 +9210,102 @@
           </a:xfrm>
         </p:spPr>
         <p:txBody>
-          <a:bodyPr/>
+          <a:bodyPr>
+            <a:normAutofit fontScale="92500"/>
+          </a:bodyPr>
           <a:lstStyle/>
           <a:p>
-            <a:pPr marL="0" indent="0" algn="just">
-              <a:buNone/>
+            <a:r>
+              <a:rPr lang="es-MX" dirty="0"/>
+              <a:t>Se desarrolló un proyecto completo de métodos de ordenamiento internos y externos con interfaz gráfica, lo que permite:</a:t>
+            </a:r>
+          </a:p>
+          <a:p>
+            <a:pPr>
+              <a:buFont typeface="Arial" panose="020B0604020202020204" pitchFamily="34" charset="0"/>
+              <a:buChar char="•"/>
             </a:pPr>
             <a:r>
               <a:rPr lang="es-MX" dirty="0"/>
-              <a:t>La práctica permitió aplicar los conceptos teóricos de </a:t>
+              <a:t>Comprender la lógica de algoritmos clásicos como </a:t>
             </a:r>
             <a:r>
               <a:rPr lang="es-MX" b="1" dirty="0"/>
-              <a:t>ordenamiento interno y externo</a:t>
+              <a:t>Burbuja, </a:t>
+            </a:r>
+            <a:r>
+              <a:rPr lang="es-MX" b="1" dirty="0" err="1"/>
+              <a:t>QuickSort</a:t>
+            </a:r>
+            <a:r>
+              <a:rPr lang="es-MX" b="1" dirty="0"/>
+              <a:t>, </a:t>
+            </a:r>
+            <a:r>
+              <a:rPr lang="es-MX" b="1" dirty="0" err="1"/>
+              <a:t>ShellSort</a:t>
+            </a:r>
+            <a:r>
+              <a:rPr lang="es-MX" b="1" dirty="0"/>
+              <a:t> y </a:t>
+            </a:r>
+            <a:r>
+              <a:rPr lang="es-MX" b="1" dirty="0" err="1"/>
+              <a:t>Radix</a:t>
             </a:r>
             <a:r>
               <a:rPr lang="es-MX" dirty="0"/>
-              <a:t> en un proyecto práctico con </a:t>
-            </a:r>
-            <a:r>
-              <a:rPr lang="es-MX" b="1" dirty="0" err="1"/>
-              <a:t>JavaFX</a:t>
-            </a:r>
+              <a:t>.</a:t>
+            </a:r>
+          </a:p>
+          <a:p>
+            <a:pPr>
+              <a:buFont typeface="Arial" panose="020B0604020202020204" pitchFamily="34" charset="0"/>
+              <a:buChar char="•"/>
+            </a:pPr>
             <a:r>
               <a:rPr lang="es-MX" dirty="0"/>
-              <a:t>, demostrando la eficiencia de los algoritmos y la importancia de adaptar el método según el tamaño de los datos. Además, el desarrollo de la interfaz gráfica refuerza la comprensión de la interacción entre la lógica de programación y la visualización de resultados, mejorando la experiencia del usuario y la claridad del proceso de ordenamiento.</a:t>
+              <a:t>Visualizar métodos externos como </a:t>
+            </a:r>
+            <a:r>
+              <a:rPr lang="es-MX" b="1" dirty="0"/>
+              <a:t>Intercalación, Mezcla Directa y Mezcla Natural</a:t>
+            </a:r>
+            <a:r>
+              <a:rPr lang="es-MX" dirty="0"/>
+              <a:t>.</a:t>
+            </a:r>
+          </a:p>
+          <a:p>
+            <a:pPr>
+              <a:buFont typeface="Arial" panose="020B0604020202020204" pitchFamily="34" charset="0"/>
+              <a:buChar char="•"/>
+            </a:pPr>
+            <a:r>
+              <a:rPr lang="es-MX" dirty="0"/>
+              <a:t>Comparar la eficiencia de cada algoritmo según el tipo y tamaño de los datos.</a:t>
+            </a:r>
+          </a:p>
+          <a:p>
+            <a:r>
+              <a:rPr lang="es-MX" dirty="0"/>
+              <a:t>El proyecto demuestra cómo se puede integrar la programación orientada a objetos, la recursión y la manipulación de </a:t>
+            </a:r>
+            <a:r>
+              <a:rPr lang="es-MX" dirty="0" err="1"/>
+              <a:t>arrays</a:t>
+            </a:r>
+            <a:r>
+              <a:rPr lang="es-MX" dirty="0"/>
+              <a:t> o estructuras de datos con </a:t>
+            </a:r>
+            <a:r>
+              <a:rPr lang="es-MX" b="1" dirty="0"/>
+              <a:t>interfaces gráficas modernas</a:t>
+            </a:r>
+            <a:r>
+              <a:rPr lang="es-MX" dirty="0"/>
+              <a:t>, consolidando conocimientos teóricos en una práctica visual y funcional.</a:t>
             </a:r>
           </a:p>
         </p:txBody>
